--- a/期中PPT.pptx
+++ b/期中PPT.pptx
@@ -18,17 +18,16 @@
     <p:sldId id="277" r:id="rId13"/>
     <p:sldId id="268" r:id="rId14"/>
     <p:sldId id="274" r:id="rId15"/>
-    <p:sldId id="272" r:id="rId16"/>
-    <p:sldId id="273" r:id="rId17"/>
-    <p:sldId id="269" r:id="rId18"/>
-    <p:sldId id="270" r:id="rId19"/>
-    <p:sldId id="271" r:id="rId20"/>
-    <p:sldId id="278" r:id="rId21"/>
+    <p:sldId id="273" r:id="rId16"/>
+    <p:sldId id="269" r:id="rId17"/>
+    <p:sldId id="270" r:id="rId18"/>
+    <p:sldId id="271" r:id="rId19"/>
+    <p:sldId id="278" r:id="rId20"/>
   </p:sldIdLst>
   <p:sldSz cx="9144000" cy="6858000" type="screen4x3"/>
   <p:notesSz cx="6858000" cy="9144000"/>
   <p:custDataLst>
-    <p:tags r:id="rId25"/>
+    <p:tags r:id="rId24"/>
   </p:custDataLst>
   <p:defaultTextStyle>
     <a:defPPr>
@@ -7397,7 +7396,7 @@
                   <a:srgbClr val="FF0000"/>
                 </a:solidFill>
               </a:rPr>
-              <a:t>*** B</a:t>
+              <a:t>*** </a:t>
             </a:r>
             <a:r>
               <a:rPr lang="zh-CN" altLang="en-US" sz="3200" b="1">
@@ -7405,7 +7404,15 @@
                   <a:srgbClr val="FF0000"/>
                 </a:solidFill>
               </a:rPr>
-              <a:t>样条插值函数：</a:t>
+              <a:t>目标函数的</a:t>
+            </a:r>
+            <a:r>
+              <a:rPr lang="zh-CN" altLang="en-US" sz="3200" b="1">
+                <a:solidFill>
+                  <a:srgbClr val="FF0000"/>
+                </a:solidFill>
+              </a:rPr>
+              <a:t>求解：</a:t>
             </a:r>
             <a:endParaRPr lang="zh-CN" altLang="en-US" sz="3200" b="1">
               <a:solidFill>
@@ -7414,6 +7421,107 @@
             </a:endParaRPr>
           </a:p>
           <a:p>
+            <a:pPr indent="457200" algn="l">
+              <a:buClrTx/>
+              <a:buSzTx/>
+              <a:buFontTx/>
+            </a:pPr>
+            <a:r>
+              <a:rPr lang="en-US" altLang="zh-CN" sz="3200">
+                <a:solidFill>
+                  <a:srgbClr val="FF0000"/>
+                </a:solidFill>
+              </a:rPr>
+              <a:t>目标函数的变化不稳定</a:t>
+            </a:r>
+            <a:r>
+              <a:rPr lang="zh-CN" altLang="en-US" sz="3200">
+                <a:solidFill>
+                  <a:srgbClr val="FF0000"/>
+                </a:solidFill>
+              </a:rPr>
+              <a:t>。（</a:t>
+            </a:r>
+            <a:r>
+              <a:rPr lang="en-US" altLang="zh-CN" sz="3200">
+                <a:solidFill>
+                  <a:srgbClr val="FF0000"/>
+                </a:solidFill>
+              </a:rPr>
+              <a:t>并且如果是负数好像会越来越负</a:t>
+            </a:r>
+            <a:r>
+              <a:rPr lang="zh-CN" altLang="en-US" sz="3200">
+                <a:solidFill>
+                  <a:srgbClr val="FF0000"/>
+                </a:solidFill>
+              </a:rPr>
+              <a:t>。）</a:t>
+            </a:r>
+            <a:r>
+              <a:rPr lang="en-US" altLang="zh-CN" sz="3200">
+                <a:solidFill>
+                  <a:srgbClr val="FF0000"/>
+                </a:solidFill>
+              </a:rPr>
+              <a:t>  </a:t>
+            </a:r>
+            <a:r>
+              <a:rPr lang="zh-CN" altLang="en-US" sz="3200">
+                <a:solidFill>
+                  <a:schemeClr val="tx1"/>
+                </a:solidFill>
+              </a:rPr>
+              <a:t>目标函数的求解过程函数可靠性仍需得到提高。</a:t>
+            </a:r>
+            <a:r>
+              <a:rPr lang="en-US" altLang="zh-CN" sz="3200" b="1">
+                <a:solidFill>
+                  <a:srgbClr val="FF0000"/>
+                </a:solidFill>
+              </a:rPr>
+              <a:t>                              </a:t>
+            </a:r>
+            <a:endParaRPr lang="en-US" altLang="zh-CN" sz="3200" b="1">
+              <a:solidFill>
+                <a:srgbClr val="FF0000"/>
+              </a:solidFill>
+            </a:endParaRPr>
+          </a:p>
+          <a:p>
+            <a:pPr algn="l">
+              <a:buClrTx/>
+              <a:buSzTx/>
+              <a:buFontTx/>
+            </a:pPr>
+            <a:endParaRPr lang="en-US" altLang="zh-CN" sz="3200" b="1">
+              <a:solidFill>
+                <a:srgbClr val="FF0000"/>
+              </a:solidFill>
+            </a:endParaRPr>
+          </a:p>
+          <a:p>
+            <a:pPr algn="l">
+              <a:buClrTx/>
+              <a:buSzTx/>
+              <a:buFontTx/>
+            </a:pPr>
+            <a:r>
+              <a:rPr lang="en-US" altLang="zh-CN" sz="3200" b="1">
+                <a:solidFill>
+                  <a:srgbClr val="FF0000"/>
+                </a:solidFill>
+              </a:rPr>
+              <a:t>*** </a:t>
+            </a:r>
+            <a:r>
+              <a:rPr lang="zh-CN" altLang="en-US" sz="3200" b="1">
+                <a:solidFill>
+                  <a:srgbClr val="FF0000"/>
+                </a:solidFill>
+              </a:rPr>
+              <a:t>现阶段代码无法处理奇异矩阵的逆：</a:t>
+            </a:r>
             <a:endParaRPr lang="zh-CN" altLang="en-US" sz="3200" b="1">
               <a:solidFill>
                 <a:srgbClr val="FF0000"/>
@@ -7421,14 +7529,18 @@
             </a:endParaRPr>
           </a:p>
           <a:p>
-            <a:pPr indent="457200"/>
+            <a:pPr indent="457200" algn="l">
+              <a:buClrTx/>
+              <a:buSzTx/>
+              <a:buFontTx/>
+            </a:pPr>
             <a:r>
               <a:rPr lang="en-US" altLang="zh-CN" sz="3200">
                 <a:solidFill>
                   <a:srgbClr val="FF0000"/>
                 </a:solidFill>
               </a:rPr>
-              <a:t>1.</a:t>
+              <a:t>解决方法：</a:t>
             </a:r>
             <a:r>
               <a:rPr lang="zh-CN" altLang="en-US" sz="3200">
@@ -7436,99 +7548,49 @@
                   <a:srgbClr val="FF0000"/>
                 </a:solidFill>
               </a:rPr>
-              <a:t>没有找到可引入的符合未知数个</a:t>
-            </a:r>
-            <a:r>
-              <a:rPr lang="zh-CN" altLang="en-US" sz="3200">
-                <a:solidFill>
-                  <a:srgbClr val="FF0000"/>
-                </a:solidFill>
-              </a:rPr>
-              <a:t>的</a:t>
-            </a:r>
-            <a:r>
-              <a:rPr lang="en-US" altLang="zh-CN" sz="3200">
-                <a:solidFill>
-                  <a:srgbClr val="FF0000"/>
-                </a:solidFill>
-              </a:rPr>
-              <a:t>B</a:t>
-            </a:r>
-            <a:r>
-              <a:rPr lang="zh-CN" altLang="en-US" sz="3200">
-                <a:solidFill>
-                  <a:srgbClr val="FF0000"/>
-                </a:solidFill>
-              </a:rPr>
-              <a:t>样条插值函数。此部分内容使用自推导代码。</a:t>
-            </a:r>
-            <a:endParaRPr lang="zh-CN" altLang="en-US" sz="3200">
+              <a:t>给原文作者发邮件。</a:t>
+            </a:r>
+            <a:endParaRPr lang="en-US" altLang="zh-CN" sz="3200" b="1">
               <a:solidFill>
                 <a:srgbClr val="FF0000"/>
               </a:solidFill>
             </a:endParaRPr>
           </a:p>
           <a:p>
-            <a:pPr indent="457200"/>
-            <a:endParaRPr lang="en-US" altLang="zh-CN" sz="3200">
+            <a:pPr algn="l">
+              <a:buClrTx/>
+              <a:buSzTx/>
+              <a:buFontTx/>
+            </a:pPr>
+            <a:endParaRPr lang="en-US" altLang="zh-CN" sz="3200" b="1">
               <a:solidFill>
                 <a:srgbClr val="FF0000"/>
               </a:solidFill>
             </a:endParaRPr>
           </a:p>
           <a:p>
-            <a:pPr indent="457200"/>
-            <a:r>
-              <a:rPr lang="en-US" altLang="zh-CN" sz="3200">
-                <a:solidFill>
-                  <a:srgbClr val="FF0000"/>
-                </a:solidFill>
-              </a:rPr>
-              <a:t>2. B</a:t>
-            </a:r>
-            <a:r>
-              <a:rPr lang="zh-CN" altLang="en-US" sz="3200">
-                <a:solidFill>
-                  <a:srgbClr val="FF0000"/>
-                </a:solidFill>
-              </a:rPr>
-              <a:t>样条函数涉及多元函数求导的求导函数</a:t>
-            </a:r>
-            <a:r>
-              <a:rPr lang="zh-CN" altLang="en-US" sz="3200">
-                <a:solidFill>
-                  <a:srgbClr val="FF0000"/>
-                </a:solidFill>
-              </a:rPr>
-              <a:t>使用自推导函数。运行速度低。可靠性未知。 </a:t>
-            </a:r>
-            <a:r>
-              <a:rPr lang="en-US" altLang="zh-CN" sz="3200">
-                <a:solidFill>
-                  <a:srgbClr val="FF0000"/>
-                </a:solidFill>
-              </a:rPr>
-              <a:t>                                                                </a:t>
-            </a:r>
-            <a:endParaRPr lang="zh-CN" altLang="en-US" sz="3200"/>
-          </a:p>
-          <a:p>
-            <a:endParaRPr lang="zh-CN" altLang="en-US"/>
-          </a:p>
-          <a:p>
-            <a:endParaRPr lang="en-US" altLang="zh-CN"/>
-          </a:p>
-          <a:p>
-            <a:endParaRPr lang="en-US" altLang="zh-CN"/>
-          </a:p>
-          <a:p>
-            <a:endParaRPr lang="en-US" altLang="zh-CN"/>
-          </a:p>
-          <a:p>
-            <a:endParaRPr lang="en-US" altLang="zh-CN"/>
-          </a:p>
-          <a:p>
-            <a:endParaRPr lang="en-US" altLang="zh-CN"/>
+            <a:pPr algn="l">
+              <a:buClrTx/>
+              <a:buSzTx/>
+              <a:buFontTx/>
+            </a:pPr>
+            <a:endParaRPr lang="en-US" altLang="zh-CN" sz="3200" b="1">
+              <a:solidFill>
+                <a:srgbClr val="FF0000"/>
+              </a:solidFill>
+            </a:endParaRPr>
+          </a:p>
+          <a:p>
+            <a:pPr algn="l">
+              <a:buClrTx/>
+              <a:buSzTx/>
+              <a:buFontTx/>
+            </a:pPr>
+            <a:endParaRPr lang="en-US" altLang="zh-CN" sz="3200" b="1">
+              <a:solidFill>
+                <a:srgbClr val="FF0000"/>
+              </a:solidFill>
+            </a:endParaRPr>
           </a:p>
           <a:p>
             <a:endParaRPr lang="en-US" altLang="zh-CN"/>
@@ -7624,8 +7686,8 @@
         </p:nvSpPr>
         <p:spPr>
           <a:xfrm>
-            <a:off x="899160" y="908685"/>
-            <a:ext cx="8135620" cy="5771515"/>
+            <a:off x="74295" y="908685"/>
+            <a:ext cx="9145905" cy="5109845"/>
           </a:xfrm>
           <a:prstGeom prst="rect">
             <a:avLst/>
@@ -7642,103 +7704,97 @@
               <a:rPr lang="en-US" altLang="zh-CN" sz="4400">
                 <a:sym typeface="+mn-ea"/>
               </a:rPr>
-              <a:t>2  Current Problems</a:t>
-            </a:r>
-            <a:endParaRPr lang="en-US" altLang="zh-CN" sz="4400"/>
+              <a:t>     3  </a:t>
+            </a:r>
+            <a:r>
+              <a:rPr lang="en-US" altLang="zh-CN" sz="4400">
+                <a:sym typeface="+mn-ea"/>
+              </a:rPr>
+              <a:t>Current Code Version</a:t>
+            </a:r>
+            <a:endParaRPr lang="en-US" altLang="zh-CN" sz="4400">
+              <a:sym typeface="+mn-ea"/>
+            </a:endParaRPr>
           </a:p>
           <a:p>
             <a:pPr indent="457200"/>
             <a:endParaRPr lang="en-US" altLang="zh-CN" sz="4400"/>
           </a:p>
           <a:p>
-            <a:r>
-              <a:rPr lang="en-US" altLang="zh-CN" sz="3200" b="1">
-                <a:solidFill>
-                  <a:srgbClr val="FF0000"/>
-                </a:solidFill>
-              </a:rPr>
-              <a:t>*** </a:t>
-            </a:r>
-            <a:r>
-              <a:rPr lang="zh-CN" altLang="en-US" sz="3200" b="1">
-                <a:solidFill>
-                  <a:srgbClr val="FF0000"/>
-                </a:solidFill>
-              </a:rPr>
-              <a:t>目标函数的</a:t>
-            </a:r>
-            <a:r>
-              <a:rPr lang="zh-CN" altLang="en-US" sz="3200" b="1">
-                <a:solidFill>
-                  <a:srgbClr val="FF0000"/>
-                </a:solidFill>
-              </a:rPr>
-              <a:t>求解：</a:t>
-            </a:r>
-            <a:endParaRPr lang="zh-CN" altLang="en-US" sz="3200" b="1">
+            <a:endParaRPr lang="zh-CN" altLang="en-US" sz="1400" b="1">
               <a:solidFill>
-                <a:srgbClr val="FF0000"/>
+                <a:schemeClr val="tx1"/>
               </a:solidFill>
             </a:endParaRPr>
           </a:p>
           <a:p>
+            <a:endParaRPr lang="zh-CN" altLang="en-US" sz="1400" b="1">
+              <a:solidFill>
+                <a:schemeClr val="tx1"/>
+              </a:solidFill>
+            </a:endParaRPr>
+          </a:p>
+          <a:p>
+            <a:endParaRPr lang="zh-CN" altLang="en-US" sz="1400" b="1">
+              <a:solidFill>
+                <a:schemeClr val="tx1"/>
+              </a:solidFill>
+            </a:endParaRPr>
+          </a:p>
+          <a:p>
+            <a:endParaRPr lang="zh-CN" altLang="en-US" sz="1400" b="1">
+              <a:solidFill>
+                <a:schemeClr val="tx1"/>
+              </a:solidFill>
+            </a:endParaRPr>
+          </a:p>
+          <a:p>
+            <a:endParaRPr lang="zh-CN" altLang="en-US" sz="1400" b="1">
+              <a:solidFill>
+                <a:schemeClr val="tx1"/>
+              </a:solidFill>
+            </a:endParaRPr>
+          </a:p>
+          <a:p>
+            <a:r>
+              <a:rPr lang="en-US" altLang="zh-CN" sz="3600" b="1">
+                <a:solidFill>
+                  <a:schemeClr val="tx1"/>
+                </a:solidFill>
+              </a:rPr>
+              <a:t>GIT</a:t>
+            </a:r>
+            <a:r>
+              <a:rPr lang="zh-CN" altLang="en-US" sz="3600" b="1">
+                <a:solidFill>
+                  <a:schemeClr val="tx1"/>
+                </a:solidFill>
+              </a:rPr>
+              <a:t>网址：</a:t>
+            </a:r>
+            <a:endParaRPr lang="zh-CN" altLang="en-US" sz="3600" b="1">
+              <a:solidFill>
+                <a:schemeClr val="tx1"/>
+              </a:solidFill>
+            </a:endParaRPr>
+          </a:p>
+          <a:p>
+            <a:r>
+              <a:rPr lang="zh-CN" altLang="en-US" sz="1400" b="1">
+                <a:solidFill>
+                  <a:schemeClr val="tx1"/>
+                </a:solidFill>
+              </a:rPr>
+              <a:t>https://github.com/get-jiang/head-motion-correction-realign-based-on-SPM/blob/master/GUI_2.py</a:t>
+            </a:r>
+            <a:endParaRPr lang="zh-CN" altLang="en-US" sz="1400" b="1">
+              <a:solidFill>
+                <a:schemeClr val="tx1"/>
+              </a:solidFill>
+            </a:endParaRPr>
+          </a:p>
+          <a:p>
             <a:pPr indent="457200"/>
-            <a:r>
-              <a:rPr lang="en-US" altLang="zh-CN" sz="3200">
-                <a:solidFill>
-                  <a:srgbClr val="FF0000"/>
-                </a:solidFill>
-              </a:rPr>
-              <a:t>目标函数的变化不稳定</a:t>
-            </a:r>
-            <a:r>
-              <a:rPr lang="zh-CN" altLang="en-US" sz="3200">
-                <a:solidFill>
-                  <a:srgbClr val="FF0000"/>
-                </a:solidFill>
-              </a:rPr>
-              <a:t>。（</a:t>
-            </a:r>
-            <a:r>
-              <a:rPr lang="en-US" altLang="zh-CN" sz="3200">
-                <a:solidFill>
-                  <a:srgbClr val="FF0000"/>
-                </a:solidFill>
-              </a:rPr>
-              <a:t>并且如果是负数好像会越来越负</a:t>
-            </a:r>
-            <a:r>
-              <a:rPr lang="zh-CN" altLang="en-US" sz="3200">
-                <a:solidFill>
-                  <a:srgbClr val="FF0000"/>
-                </a:solidFill>
-              </a:rPr>
-              <a:t>。）</a:t>
-            </a:r>
-            <a:r>
-              <a:rPr lang="en-US" altLang="zh-CN" sz="3200">
-                <a:solidFill>
-                  <a:srgbClr val="FF0000"/>
-                </a:solidFill>
-              </a:rPr>
-              <a:t>  </a:t>
-            </a:r>
-            <a:r>
-              <a:rPr lang="zh-CN" altLang="en-US" sz="3200">
-                <a:solidFill>
-                  <a:srgbClr val="FF0000"/>
-                </a:solidFill>
-              </a:rPr>
-              <a:t>目标函数的求解过程函数可靠性仍需得到提高。</a:t>
-            </a:r>
-            <a:r>
-              <a:rPr lang="en-US" altLang="zh-CN" sz="3200">
-                <a:solidFill>
-                  <a:srgbClr val="FF0000"/>
-                </a:solidFill>
-              </a:rPr>
-              <a:t>                              </a:t>
-            </a:r>
             <a:endParaRPr lang="zh-CN" altLang="en-US" sz="3200"/>
           </a:p>
           <a:p>
@@ -7759,8 +7815,39 @@
           <a:p>
             <a:endParaRPr lang="en-US" altLang="zh-CN"/>
           </a:p>
-        </p:txBody>
-      </p:sp>
+          <a:p>
+            <a:endParaRPr lang="en-US" altLang="zh-CN"/>
+          </a:p>
+        </p:txBody>
+      </p:sp>
+      <p:pic>
+        <p:nvPicPr>
+          <p:cNvPr id="3" name="图片 2"/>
+          <p:cNvPicPr>
+            <a:picLocks noChangeAspect="1"/>
+          </p:cNvPicPr>
+          <p:nvPr>
+            <p:custDataLst>
+              <p:tags r:id="rId2"/>
+            </p:custDataLst>
+          </p:nvPr>
+        </p:nvPicPr>
+        <p:blipFill>
+          <a:blip r:embed="rId3"/>
+          <a:stretch>
+            <a:fillRect/>
+          </a:stretch>
+        </p:blipFill>
+        <p:spPr>
+          <a:xfrm>
+            <a:off x="1691640" y="4149090"/>
+            <a:ext cx="5669915" cy="2609215"/>
+          </a:xfrm>
+          <a:prstGeom prst="rect">
+            <a:avLst/>
+          </a:prstGeom>
+        </p:spPr>
+      </p:pic>
     </p:spTree>
   </p:cSld>
   <p:clrMapOvr>
@@ -7850,8 +7937,8 @@
         </p:nvSpPr>
         <p:spPr>
           <a:xfrm>
-            <a:off x="74295" y="908685"/>
-            <a:ext cx="9145905" cy="5109845"/>
+            <a:off x="26670" y="908685"/>
+            <a:ext cx="9193530" cy="5109845"/>
           </a:xfrm>
           <a:prstGeom prst="rect">
             <a:avLst/>
@@ -7868,13 +7955,7 @@
               <a:rPr lang="en-US" altLang="zh-CN" sz="4400">
                 <a:sym typeface="+mn-ea"/>
               </a:rPr>
-              <a:t>     3  </a:t>
-            </a:r>
-            <a:r>
-              <a:rPr lang="en-US" altLang="zh-CN" sz="4400">
-                <a:sym typeface="+mn-ea"/>
-              </a:rPr>
-              <a:t>Current Code Version</a:t>
+              <a:t>     4  Incomplete Parts</a:t>
             </a:r>
             <a:endParaRPr lang="en-US" altLang="zh-CN" sz="4400">
               <a:sym typeface="+mn-ea"/>
@@ -7882,82 +7963,70 @@
           </a:p>
           <a:p>
             <a:pPr indent="457200"/>
+            <a:endParaRPr lang="en-US" altLang="zh-CN" sz="4400">
+              <a:sym typeface="+mn-ea"/>
+            </a:endParaRPr>
+          </a:p>
+          <a:p>
+            <a:pPr indent="457200"/>
+            <a:endParaRPr lang="en-US" altLang="zh-CN" sz="4400">
+              <a:sym typeface="+mn-ea"/>
+            </a:endParaRPr>
+          </a:p>
+          <a:p>
+            <a:pPr indent="457200"/>
+            <a:r>
+              <a:rPr lang="en-US" altLang="zh-CN" sz="4400">
+                <a:sym typeface="+mn-ea"/>
+              </a:rPr>
+              <a:t>    Pytorch optimizer</a:t>
+            </a:r>
+            <a:r>
+              <a:rPr lang="zh-CN" altLang="en-US" sz="4400">
+                <a:sym typeface="+mn-ea"/>
+              </a:rPr>
+              <a:t>优化部分</a:t>
+            </a:r>
+            <a:endParaRPr lang="zh-CN" altLang="en-US" sz="4400">
+              <a:sym typeface="+mn-ea"/>
+            </a:endParaRPr>
+          </a:p>
+          <a:p>
+            <a:pPr marL="3657600" lvl="8" indent="457200"/>
+            <a:r>
+              <a:rPr lang="zh-CN" altLang="en-US" sz="2000">
+                <a:sym typeface="+mn-ea"/>
+              </a:rPr>
+              <a:t>陈咏茜</a:t>
+            </a:r>
+            <a:endParaRPr lang="zh-CN" altLang="en-US" sz="2000">
+              <a:sym typeface="+mn-ea"/>
+            </a:endParaRPr>
+          </a:p>
+          <a:p>
+            <a:pPr indent="457200"/>
+            <a:endParaRPr lang="en-US" altLang="zh-CN" sz="4400">
+              <a:sym typeface="+mn-ea"/>
+            </a:endParaRPr>
+          </a:p>
+          <a:p>
+            <a:pPr indent="457200"/>
+            <a:endParaRPr lang="en-US" altLang="zh-CN" sz="4400">
+              <a:sym typeface="+mn-ea"/>
+            </a:endParaRPr>
+          </a:p>
+          <a:p>
+            <a:pPr indent="457200"/>
             <a:endParaRPr lang="en-US" altLang="zh-CN" sz="4400"/>
           </a:p>
           <a:p>
-            <a:endParaRPr lang="zh-CN" altLang="en-US" sz="1400" b="1">
+            <a:endParaRPr lang="zh-CN" altLang="en-US" sz="3200" b="1">
               <a:solidFill>
-                <a:schemeClr val="tx1"/>
+                <a:srgbClr val="FF0000"/>
               </a:solidFill>
             </a:endParaRPr>
           </a:p>
           <a:p>
-            <a:endParaRPr lang="zh-CN" altLang="en-US" sz="1400" b="1">
-              <a:solidFill>
-                <a:schemeClr val="tx1"/>
-              </a:solidFill>
-            </a:endParaRPr>
-          </a:p>
-          <a:p>
-            <a:endParaRPr lang="zh-CN" altLang="en-US" sz="1400" b="1">
-              <a:solidFill>
-                <a:schemeClr val="tx1"/>
-              </a:solidFill>
-            </a:endParaRPr>
-          </a:p>
-          <a:p>
-            <a:endParaRPr lang="zh-CN" altLang="en-US" sz="1400" b="1">
-              <a:solidFill>
-                <a:schemeClr val="tx1"/>
-              </a:solidFill>
-            </a:endParaRPr>
-          </a:p>
-          <a:p>
-            <a:endParaRPr lang="zh-CN" altLang="en-US" sz="1400" b="1">
-              <a:solidFill>
-                <a:schemeClr val="tx1"/>
-              </a:solidFill>
-            </a:endParaRPr>
-          </a:p>
-          <a:p>
-            <a:r>
-              <a:rPr lang="en-US" altLang="zh-CN" sz="3600" b="1">
-                <a:solidFill>
-                  <a:schemeClr val="tx1"/>
-                </a:solidFill>
-              </a:rPr>
-              <a:t>GIT</a:t>
-            </a:r>
-            <a:r>
-              <a:rPr lang="zh-CN" altLang="en-US" sz="3600" b="1">
-                <a:solidFill>
-                  <a:schemeClr val="tx1"/>
-                </a:solidFill>
-              </a:rPr>
-              <a:t>网址：</a:t>
-            </a:r>
-            <a:endParaRPr lang="zh-CN" altLang="en-US" sz="3600" b="1">
-              <a:solidFill>
-                <a:schemeClr val="tx1"/>
-              </a:solidFill>
-            </a:endParaRPr>
-          </a:p>
-          <a:p>
-            <a:r>
-              <a:rPr lang="zh-CN" altLang="en-US" sz="1400" b="1">
-                <a:solidFill>
-                  <a:schemeClr val="tx1"/>
-                </a:solidFill>
-              </a:rPr>
-              <a:t>https://github.com/get-jiang/head-motion-correction-realign-based-on-SPM/blob/master/GUI_2.py</a:t>
-            </a:r>
-            <a:endParaRPr lang="zh-CN" altLang="en-US" sz="1400" b="1">
-              <a:solidFill>
-                <a:schemeClr val="tx1"/>
-              </a:solidFill>
-            </a:endParaRPr>
-          </a:p>
-          <a:p>
             <a:pPr indent="457200"/>
             <a:endParaRPr lang="zh-CN" altLang="en-US" sz="3200"/>
           </a:p>
@@ -7984,34 +8053,6 @@
           </a:p>
         </p:txBody>
       </p:sp>
-      <p:pic>
-        <p:nvPicPr>
-          <p:cNvPr id="3" name="图片 2"/>
-          <p:cNvPicPr>
-            <a:picLocks noChangeAspect="1"/>
-          </p:cNvPicPr>
-          <p:nvPr>
-            <p:custDataLst>
-              <p:tags r:id="rId2"/>
-            </p:custDataLst>
-          </p:nvPr>
-        </p:nvPicPr>
-        <p:blipFill>
-          <a:blip r:embed="rId3"/>
-          <a:stretch>
-            <a:fillRect/>
-          </a:stretch>
-        </p:blipFill>
-        <p:spPr>
-          <a:xfrm>
-            <a:off x="1691640" y="4149090"/>
-            <a:ext cx="5669915" cy="2609215"/>
-          </a:xfrm>
-          <a:prstGeom prst="rect">
-            <a:avLst/>
-          </a:prstGeom>
-        </p:spPr>
-      </p:pic>
     </p:spTree>
   </p:cSld>
   <p:clrMapOvr>
@@ -8101,8 +8142,8 @@
         </p:nvSpPr>
         <p:spPr>
           <a:xfrm>
-            <a:off x="26670" y="908685"/>
-            <a:ext cx="9193530" cy="5109845"/>
+            <a:off x="236855" y="908685"/>
+            <a:ext cx="8983345" cy="5821045"/>
           </a:xfrm>
           <a:prstGeom prst="rect">
             <a:avLst/>
@@ -8119,7 +8160,7 @@
               <a:rPr lang="en-US" altLang="zh-CN" sz="4400">
                 <a:sym typeface="+mn-ea"/>
               </a:rPr>
-              <a:t>     4  Incomplete Parts</a:t>
+              <a:t>    5  Next Plan</a:t>
             </a:r>
             <a:endParaRPr lang="en-US" altLang="zh-CN" sz="4400">
               <a:sym typeface="+mn-ea"/>
@@ -8127,74 +8168,86 @@
           </a:p>
           <a:p>
             <a:pPr indent="457200"/>
-            <a:endParaRPr lang="en-US" altLang="zh-CN" sz="4400">
-              <a:sym typeface="+mn-ea"/>
-            </a:endParaRPr>
+            <a:endParaRPr lang="en-US" altLang="zh-CN" sz="4400"/>
           </a:p>
           <a:p>
             <a:pPr indent="457200"/>
-            <a:endParaRPr lang="en-US" altLang="zh-CN" sz="4400">
-              <a:sym typeface="+mn-ea"/>
-            </a:endParaRPr>
+            <a:r>
+              <a:rPr lang="en-US" altLang="zh-CN" sz="4400"/>
+              <a:t>1.</a:t>
+            </a:r>
+            <a:r>
+              <a:rPr lang="zh-CN" altLang="en-US" sz="4400"/>
+              <a:t>完成</a:t>
+            </a:r>
+            <a:r>
+              <a:rPr lang="en-US" altLang="zh-CN" sz="4400"/>
+              <a:t>pytorch optimizer</a:t>
+            </a:r>
+            <a:r>
+              <a:rPr lang="zh-CN" altLang="en-US" sz="4400"/>
+              <a:t>部分初步代码。</a:t>
+            </a:r>
+            <a:endParaRPr lang="zh-CN" altLang="en-US" sz="4400"/>
           </a:p>
           <a:p>
             <a:pPr indent="457200"/>
             <a:r>
-              <a:rPr lang="en-US" altLang="zh-CN" sz="4400">
-                <a:sym typeface="+mn-ea"/>
-              </a:rPr>
-              <a:t>    Pytorch optimizer</a:t>
-            </a:r>
-            <a:r>
-              <a:rPr lang="zh-CN" altLang="en-US" sz="4400">
-                <a:sym typeface="+mn-ea"/>
-              </a:rPr>
-              <a:t>优化部分</a:t>
-            </a:r>
-            <a:endParaRPr lang="zh-CN" altLang="en-US" sz="4400">
-              <a:sym typeface="+mn-ea"/>
-            </a:endParaRPr>
-          </a:p>
-          <a:p>
-            <a:pPr marL="3657600" lvl="8" indent="457200"/>
-            <a:r>
-              <a:rPr lang="zh-CN" altLang="en-US" sz="2000">
-                <a:sym typeface="+mn-ea"/>
-              </a:rPr>
-              <a:t>陈咏茜</a:t>
-            </a:r>
-            <a:endParaRPr lang="zh-CN" altLang="en-US" sz="2000">
-              <a:sym typeface="+mn-ea"/>
-            </a:endParaRPr>
+              <a:rPr lang="en-US" altLang="zh-CN" sz="4400"/>
+              <a:t>2.</a:t>
+            </a:r>
+            <a:r>
+              <a:rPr lang="zh-CN" altLang="en-US" sz="4400"/>
+              <a:t>优化整体算法速度</a:t>
+            </a:r>
+            <a:endParaRPr lang="zh-CN" altLang="en-US" sz="4400"/>
           </a:p>
           <a:p>
             <a:pPr indent="457200"/>
-            <a:endParaRPr lang="en-US" altLang="zh-CN" sz="4400">
-              <a:sym typeface="+mn-ea"/>
-            </a:endParaRPr>
+            <a:r>
+              <a:rPr lang="en-US" altLang="zh-CN" sz="4400"/>
+              <a:t>3.</a:t>
+            </a:r>
+            <a:r>
+              <a:rPr lang="zh-CN" altLang="en-US" sz="4400"/>
+              <a:t>将原来</a:t>
+            </a:r>
+            <a:r>
+              <a:rPr lang="en-US" altLang="zh-CN" sz="4400"/>
+              <a:t>B</a:t>
+            </a:r>
+            <a:r>
+              <a:rPr lang="zh-CN" altLang="en-US" sz="4400"/>
+              <a:t>样条插值函数替换为</a:t>
+            </a:r>
+            <a:r>
+              <a:rPr lang="en-US" altLang="zh-CN" sz="4400"/>
+              <a:t>itk</a:t>
+            </a:r>
+            <a:r>
+              <a:rPr lang="zh-CN" altLang="en-US" sz="4400"/>
+              <a:t>库</a:t>
+            </a:r>
+            <a:r>
+              <a:rPr lang="en-US" altLang="zh-CN" sz="4400"/>
+              <a:t>B</a:t>
+            </a:r>
+            <a:r>
+              <a:rPr lang="zh-CN" altLang="en-US" sz="4400"/>
+              <a:t>样条</a:t>
+            </a:r>
+            <a:endParaRPr lang="zh-CN" altLang="en-US" sz="4400"/>
           </a:p>
           <a:p>
             <a:pPr indent="457200"/>
-            <a:endParaRPr lang="en-US" altLang="zh-CN" sz="4400">
-              <a:sym typeface="+mn-ea"/>
-            </a:endParaRPr>
-          </a:p>
-          <a:p>
-            <a:pPr indent="457200"/>
-            <a:endParaRPr lang="en-US" altLang="zh-CN" sz="4400"/>
-          </a:p>
-          <a:p>
-            <a:endParaRPr lang="zh-CN" altLang="en-US" sz="3200" b="1">
-              <a:solidFill>
-                <a:srgbClr val="FF0000"/>
-              </a:solidFill>
-            </a:endParaRPr>
-          </a:p>
-          <a:p>
-            <a:pPr indent="457200"/>
-            <a:endParaRPr lang="zh-CN" altLang="en-US" sz="3200"/>
-          </a:p>
-          <a:p>
+            <a:r>
+              <a:rPr lang="en-US" altLang="zh-CN" sz="4400"/>
+              <a:t>4.</a:t>
+            </a:r>
+            <a:r>
+              <a:rPr lang="zh-CN" altLang="en-US" sz="4400"/>
+              <a:t>寻找求偏导函数库</a:t>
+            </a:r>
             <a:endParaRPr lang="zh-CN" altLang="en-US"/>
           </a:p>
           <a:p>
@@ -8226,214 +8279,6 @@
 </file>
 
 <file path=ppt/slides/slide17.xml><?xml version="1.0" encoding="utf-8"?>
-<p:sld xmlns:a="http://schemas.openxmlformats.org/drawingml/2006/main" xmlns:r="http://schemas.openxmlformats.org/officeDocument/2006/relationships" xmlns:p="http://schemas.openxmlformats.org/presentationml/2006/main">
-  <p:cSld>
-    <p:bg>
-      <p:bgPr>
-        <a:blipFill rotWithShape="1">
-          <a:blip r:embed="rId1"/>
-          <a:stretch>
-            <a:fillRect/>
-          </a:stretch>
-        </a:blipFill>
-        <a:effectLst/>
-      </p:bgPr>
-    </p:bg>
-    <p:spTree>
-      <p:nvGrpSpPr>
-        <p:cNvPr id="1" name=""/>
-        <p:cNvGrpSpPr/>
-        <p:nvPr/>
-      </p:nvGrpSpPr>
-      <p:grpSpPr/>
-      <p:sp>
-        <p:nvSpPr>
-          <p:cNvPr id="2" name="标题 1"/>
-          <p:cNvSpPr>
-            <a:spLocks noGrp="1"/>
-          </p:cNvSpPr>
-          <p:nvPr>
-            <p:ph type="ctrTitle"/>
-          </p:nvPr>
-        </p:nvSpPr>
-        <p:spPr>
-          <a:xfrm>
-            <a:off x="-180340" y="188595"/>
-            <a:ext cx="7323455" cy="922655"/>
-          </a:xfrm>
-        </p:spPr>
-        <p:txBody>
-          <a:bodyPr/>
-          <a:p>
-            <a:r>
-              <a:rPr lang="en-US" altLang="zh-CN" sz="3200">
-                <a:solidFill>
-                  <a:schemeClr val="tx1"/>
-                </a:solidFill>
-                <a:effectLst>
-                  <a:outerShdw blurRad="38100" dist="19050" dir="2700000" algn="tl" rotWithShape="0">
-                    <a:schemeClr val="dk1">
-                      <a:alpha val="40000"/>
-                    </a:schemeClr>
-                  </a:outerShdw>
-                </a:effectLst>
-              </a:rPr>
-              <a:t>Python Head motion correction Project</a:t>
-            </a:r>
-            <a:br>
-              <a:rPr lang="en-US" altLang="zh-CN" sz="3200">
-                <a:solidFill>
-                  <a:schemeClr val="tx1"/>
-                </a:solidFill>
-                <a:effectLst>
-                  <a:outerShdw blurRad="38100" dist="19050" dir="2700000" algn="tl" rotWithShape="0">
-                    <a:schemeClr val="dk1">
-                      <a:alpha val="40000"/>
-                    </a:schemeClr>
-                  </a:outerShdw>
-                </a:effectLst>
-              </a:rPr>
-            </a:br>
-            <a:endParaRPr lang="zh-CN" altLang="en-US" sz="2000"/>
-          </a:p>
-        </p:txBody>
-      </p:sp>
-      <p:sp>
-        <p:nvSpPr>
-          <p:cNvPr id="4" name="文本框 3"/>
-          <p:cNvSpPr txBox="1"/>
-          <p:nvPr/>
-        </p:nvSpPr>
-        <p:spPr>
-          <a:xfrm>
-            <a:off x="236855" y="908685"/>
-            <a:ext cx="8983345" cy="5821045"/>
-          </a:xfrm>
-          <a:prstGeom prst="rect">
-            <a:avLst/>
-          </a:prstGeom>
-          <a:noFill/>
-        </p:spPr>
-        <p:txBody>
-          <a:bodyPr wrap="square" rtlCol="0">
-            <a:noAutofit/>
-          </a:bodyPr>
-          <a:p>
-            <a:pPr indent="457200"/>
-            <a:r>
-              <a:rPr lang="en-US" altLang="zh-CN" sz="4400">
-                <a:sym typeface="+mn-ea"/>
-              </a:rPr>
-              <a:t>    5  Next Plan</a:t>
-            </a:r>
-            <a:endParaRPr lang="en-US" altLang="zh-CN" sz="4400">
-              <a:sym typeface="+mn-ea"/>
-            </a:endParaRPr>
-          </a:p>
-          <a:p>
-            <a:pPr indent="457200"/>
-            <a:endParaRPr lang="en-US" altLang="zh-CN" sz="4400"/>
-          </a:p>
-          <a:p>
-            <a:pPr indent="457200"/>
-            <a:r>
-              <a:rPr lang="en-US" altLang="zh-CN" sz="4400"/>
-              <a:t>1.</a:t>
-            </a:r>
-            <a:r>
-              <a:rPr lang="zh-CN" altLang="en-US" sz="4400"/>
-              <a:t>完成</a:t>
-            </a:r>
-            <a:r>
-              <a:rPr lang="en-US" altLang="zh-CN" sz="4400"/>
-              <a:t>pytorch optimizer</a:t>
-            </a:r>
-            <a:r>
-              <a:rPr lang="zh-CN" altLang="en-US" sz="4400"/>
-              <a:t>部分初步代码。</a:t>
-            </a:r>
-            <a:endParaRPr lang="zh-CN" altLang="en-US" sz="4400"/>
-          </a:p>
-          <a:p>
-            <a:pPr indent="457200"/>
-            <a:r>
-              <a:rPr lang="en-US" altLang="zh-CN" sz="4400"/>
-              <a:t>2.</a:t>
-            </a:r>
-            <a:r>
-              <a:rPr lang="zh-CN" altLang="en-US" sz="4400"/>
-              <a:t>优化整体算法速度</a:t>
-            </a:r>
-            <a:endParaRPr lang="zh-CN" altLang="en-US" sz="4400"/>
-          </a:p>
-          <a:p>
-            <a:pPr indent="457200"/>
-            <a:r>
-              <a:rPr lang="en-US" altLang="zh-CN" sz="4400"/>
-              <a:t>3.</a:t>
-            </a:r>
-            <a:r>
-              <a:rPr lang="zh-CN" altLang="en-US" sz="4400"/>
-              <a:t>完善</a:t>
-            </a:r>
-            <a:r>
-              <a:rPr lang="en-US" altLang="zh-CN" sz="4400"/>
-              <a:t>B</a:t>
-            </a:r>
-            <a:r>
-              <a:rPr lang="zh-CN" altLang="en-US" sz="4400"/>
-              <a:t>样条插值函数</a:t>
-            </a:r>
-            <a:endParaRPr lang="zh-CN" altLang="en-US" sz="4400"/>
-          </a:p>
-          <a:p>
-            <a:pPr indent="457200"/>
-            <a:r>
-              <a:rPr lang="en-US" altLang="zh-CN" sz="4400"/>
-              <a:t>4.</a:t>
-            </a:r>
-            <a:r>
-              <a:rPr lang="zh-CN" altLang="en-US" sz="4400"/>
-              <a:t>寻找求偏导函数库（</a:t>
-            </a:r>
-            <a:r>
-              <a:rPr lang="zh-CN" altLang="en-US" sz="4400"/>
-              <a:t>如：调用itk的库代替原来粗糙的插值的求导）</a:t>
-            </a:r>
-            <a:endParaRPr lang="zh-CN" altLang="en-US" sz="3200"/>
-          </a:p>
-          <a:p>
-            <a:endParaRPr lang="zh-CN" altLang="en-US"/>
-          </a:p>
-          <a:p>
-            <a:endParaRPr lang="en-US" altLang="zh-CN"/>
-          </a:p>
-          <a:p>
-            <a:endParaRPr lang="en-US" altLang="zh-CN"/>
-          </a:p>
-          <a:p>
-            <a:endParaRPr lang="en-US" altLang="zh-CN"/>
-          </a:p>
-          <a:p>
-            <a:endParaRPr lang="en-US" altLang="zh-CN"/>
-          </a:p>
-          <a:p>
-            <a:endParaRPr lang="en-US" altLang="zh-CN"/>
-          </a:p>
-          <a:p>
-            <a:endParaRPr lang="en-US" altLang="zh-CN"/>
-          </a:p>
-        </p:txBody>
-      </p:sp>
-    </p:spTree>
-  </p:cSld>
-  <p:clrMapOvr>
-    <a:masterClrMapping/>
-  </p:clrMapOvr>
-</p:sld>
-</file>
-
-<file path=ppt/slides/slide18.xml><?xml version="1.0" encoding="utf-8"?>
 <p:sld xmlns:a="http://schemas.openxmlformats.org/drawingml/2006/main" xmlns:r="http://schemas.openxmlformats.org/officeDocument/2006/relationships" xmlns:p="http://schemas.openxmlformats.org/presentationml/2006/main">
   <p:cSld>
     <p:bg>
@@ -10477,8 +10322,92 @@
         </p:blipFill>
         <p:spPr>
           <a:xfrm>
-            <a:off x="251460" y="2637155"/>
-            <a:ext cx="5753100" cy="2070100"/>
+            <a:off x="179705" y="5589270"/>
+            <a:ext cx="2570480" cy="925195"/>
+          </a:xfrm>
+          <a:prstGeom prst="rect">
+            <a:avLst/>
+          </a:prstGeom>
+        </p:spPr>
+      </p:pic>
+      <p:pic>
+        <p:nvPicPr>
+          <p:cNvPr id="3" name="图片 2"/>
+          <p:cNvPicPr>
+            <a:picLocks noChangeAspect="1"/>
+          </p:cNvPicPr>
+          <p:nvPr>
+            <p:custDataLst>
+              <p:tags r:id="rId4"/>
+            </p:custDataLst>
+          </p:nvPr>
+        </p:nvPicPr>
+        <p:blipFill>
+          <a:blip r:embed="rId5"/>
+          <a:stretch>
+            <a:fillRect/>
+          </a:stretch>
+        </p:blipFill>
+        <p:spPr>
+          <a:xfrm>
+            <a:off x="48895" y="2564765"/>
+            <a:ext cx="3298825" cy="2567940"/>
+          </a:xfrm>
+          <a:prstGeom prst="rect">
+            <a:avLst/>
+          </a:prstGeom>
+        </p:spPr>
+      </p:pic>
+      <p:pic>
+        <p:nvPicPr>
+          <p:cNvPr id="6" name="图片 5"/>
+          <p:cNvPicPr>
+            <a:picLocks noChangeAspect="1"/>
+          </p:cNvPicPr>
+          <p:nvPr>
+            <p:custDataLst>
+              <p:tags r:id="rId6"/>
+            </p:custDataLst>
+          </p:nvPr>
+        </p:nvPicPr>
+        <p:blipFill>
+          <a:blip r:embed="rId7"/>
+          <a:stretch>
+            <a:fillRect/>
+          </a:stretch>
+        </p:blipFill>
+        <p:spPr>
+          <a:xfrm>
+            <a:off x="3131820" y="2635250"/>
+            <a:ext cx="3211195" cy="2497455"/>
+          </a:xfrm>
+          <a:prstGeom prst="rect">
+            <a:avLst/>
+          </a:prstGeom>
+        </p:spPr>
+      </p:pic>
+      <p:pic>
+        <p:nvPicPr>
+          <p:cNvPr id="7" name="图片 6"/>
+          <p:cNvPicPr>
+            <a:picLocks noChangeAspect="1"/>
+          </p:cNvPicPr>
+          <p:nvPr>
+            <p:custDataLst>
+              <p:tags r:id="rId8"/>
+            </p:custDataLst>
+          </p:nvPr>
+        </p:nvPicPr>
+        <p:blipFill>
+          <a:blip r:embed="rId9"/>
+          <a:stretch>
+            <a:fillRect/>
+          </a:stretch>
+        </p:blipFill>
+        <p:spPr>
+          <a:xfrm>
+            <a:off x="5796280" y="2493010"/>
+            <a:ext cx="2847340" cy="2550160"/>
           </a:xfrm>
           <a:prstGeom prst="rect">
             <a:avLst/>
@@ -10621,14 +10550,38 @@
             </a:endParaRPr>
           </a:p>
           <a:p>
-            <a:endParaRPr lang="zh-CN" altLang="en-US" sz="3200" b="1">
+            <a:pPr algn="l">
+              <a:buClrTx/>
+              <a:buSzTx/>
+              <a:buFontTx/>
+            </a:pPr>
+            <a:endParaRPr lang="zh-CN" altLang="en-US" sz="1800">
               <a:solidFill>
-                <a:srgbClr val="FF0000"/>
+                <a:schemeClr val="tx1"/>
               </a:solidFill>
             </a:endParaRPr>
           </a:p>
           <a:p>
-            <a:pPr indent="457200"/>
+            <a:pPr algn="l">
+              <a:buClrTx/>
+              <a:buSzTx/>
+              <a:buFontTx/>
+            </a:pPr>
+            <a:r>
+              <a:rPr lang="zh-CN" altLang="en-US" sz="1800">
+                <a:solidFill>
+                  <a:schemeClr val="tx1"/>
+                </a:solidFill>
+              </a:rPr>
+              <a:t>初始化：</a:t>
+            </a:r>
+            <a:endParaRPr lang="zh-CN" altLang="en-US" sz="1800">
+              <a:solidFill>
+                <a:schemeClr val="tx1"/>
+              </a:solidFill>
+            </a:endParaRPr>
+          </a:p>
+          <a:p>
             <a:endParaRPr lang="zh-CN" altLang="en-US" sz="3200"/>
           </a:p>
           <a:p>
@@ -10641,6 +10594,13 @@
             <a:endParaRPr lang="en-US" altLang="zh-CN"/>
           </a:p>
           <a:p>
+            <a:endParaRPr lang="zh-CN" altLang="en-US"/>
+          </a:p>
+          <a:p>
+            <a:r>
+              <a:rPr lang="zh-CN" altLang="en-US"/>
+              <a:t>插值函数：</a:t>
+            </a:r>
             <a:endParaRPr lang="en-US" altLang="zh-CN"/>
           </a:p>
           <a:p>
@@ -10656,15 +10616,35 @@
       </p:sp>
       <p:pic>
         <p:nvPicPr>
-          <p:cNvPr id="3" name="图片 2"/>
+          <p:cNvPr id="9" name="图片 8"/>
           <p:cNvPicPr>
             <a:picLocks noChangeAspect="1"/>
           </p:cNvPicPr>
-          <p:nvPr>
-            <p:custDataLst>
-              <p:tags r:id="rId2"/>
-            </p:custDataLst>
-          </p:nvPr>
+          <p:nvPr/>
+        </p:nvPicPr>
+        <p:blipFill>
+          <a:blip r:embed="rId2"/>
+          <a:stretch>
+            <a:fillRect/>
+          </a:stretch>
+        </p:blipFill>
+        <p:spPr>
+          <a:xfrm>
+            <a:off x="179705" y="5122545"/>
+            <a:ext cx="7618730" cy="895985"/>
+          </a:xfrm>
+          <a:prstGeom prst="rect">
+            <a:avLst/>
+          </a:prstGeom>
+        </p:spPr>
+      </p:pic>
+      <p:pic>
+        <p:nvPicPr>
+          <p:cNvPr id="10" name="图片 9"/>
+          <p:cNvPicPr>
+            <a:picLocks noChangeAspect="1"/>
+          </p:cNvPicPr>
+          <p:nvPr/>
         </p:nvPicPr>
         <p:blipFill>
           <a:blip r:embed="rId3"/>
@@ -10674,64 +10654,8 @@
         </p:blipFill>
         <p:spPr>
           <a:xfrm>
-            <a:off x="251460" y="2708910"/>
-            <a:ext cx="3298825" cy="2567940"/>
-          </a:xfrm>
-          <a:prstGeom prst="rect">
-            <a:avLst/>
-          </a:prstGeom>
-        </p:spPr>
-      </p:pic>
-      <p:pic>
-        <p:nvPicPr>
-          <p:cNvPr id="5" name="图片 4"/>
-          <p:cNvPicPr>
-            <a:picLocks noChangeAspect="1"/>
-          </p:cNvPicPr>
-          <p:nvPr>
-            <p:custDataLst>
-              <p:tags r:id="rId4"/>
-            </p:custDataLst>
-          </p:nvPr>
-        </p:nvPicPr>
-        <p:blipFill>
-          <a:blip r:embed="rId5"/>
-          <a:stretch>
-            <a:fillRect/>
-          </a:stretch>
-        </p:blipFill>
-        <p:spPr>
-          <a:xfrm>
-            <a:off x="3275330" y="2636520"/>
-            <a:ext cx="3342005" cy="2599055"/>
-          </a:xfrm>
-          <a:prstGeom prst="rect">
-            <a:avLst/>
-          </a:prstGeom>
-        </p:spPr>
-      </p:pic>
-      <p:pic>
-        <p:nvPicPr>
-          <p:cNvPr id="6" name="图片 5"/>
-          <p:cNvPicPr>
-            <a:picLocks noChangeAspect="1"/>
-          </p:cNvPicPr>
-          <p:nvPr>
-            <p:custDataLst>
-              <p:tags r:id="rId6"/>
-            </p:custDataLst>
-          </p:nvPr>
-        </p:nvPicPr>
-        <p:blipFill>
-          <a:blip r:embed="rId7"/>
-          <a:stretch>
-            <a:fillRect/>
-          </a:stretch>
-        </p:blipFill>
-        <p:spPr>
-          <a:xfrm>
-            <a:off x="6155690" y="2708910"/>
-            <a:ext cx="2847340" cy="2550160"/>
+            <a:off x="107315" y="3140710"/>
+            <a:ext cx="7729220" cy="872490"/>
           </a:xfrm>
           <a:prstGeom prst="rect">
             <a:avLst/>
